--- a/programming.pptx
+++ b/programming.pptx
@@ -274,7 +274,7 @@
           <a:p>
             <a:fld id="{2ABC02D7-CBD1-4D33-B166-78A898DF0F76}" type="datetimeFigureOut">
               <a:rPr kumimoji="1" lang="ja-JP" altLang="en-US" smtClean="0"/>
-              <a:t>2024/8/28</a:t>
+              <a:t>2025/3/16</a:t>
             </a:fld>
             <a:endParaRPr kumimoji="1" lang="ja-JP" altLang="en-US"/>
           </a:p>
@@ -476,7 +476,7 @@
           <a:p>
             <a:fld id="{2ABC02D7-CBD1-4D33-B166-78A898DF0F76}" type="datetimeFigureOut">
               <a:rPr kumimoji="1" lang="ja-JP" altLang="en-US" smtClean="0"/>
-              <a:t>2024/8/28</a:t>
+              <a:t>2025/3/16</a:t>
             </a:fld>
             <a:endParaRPr kumimoji="1" lang="ja-JP" altLang="en-US"/>
           </a:p>
@@ -688,7 +688,7 @@
           <a:p>
             <a:fld id="{2ABC02D7-CBD1-4D33-B166-78A898DF0F76}" type="datetimeFigureOut">
               <a:rPr kumimoji="1" lang="ja-JP" altLang="en-US" smtClean="0"/>
-              <a:t>2024/8/28</a:t>
+              <a:t>2025/3/16</a:t>
             </a:fld>
             <a:endParaRPr kumimoji="1" lang="ja-JP" altLang="en-US"/>
           </a:p>
@@ -890,7 +890,7 @@
           <a:p>
             <a:fld id="{2ABC02D7-CBD1-4D33-B166-78A898DF0F76}" type="datetimeFigureOut">
               <a:rPr kumimoji="1" lang="ja-JP" altLang="en-US" smtClean="0"/>
-              <a:t>2024/8/28</a:t>
+              <a:t>2025/3/16</a:t>
             </a:fld>
             <a:endParaRPr kumimoji="1" lang="ja-JP" altLang="en-US"/>
           </a:p>
@@ -1136,7 +1136,7 @@
           <a:p>
             <a:fld id="{2ABC02D7-CBD1-4D33-B166-78A898DF0F76}" type="datetimeFigureOut">
               <a:rPr kumimoji="1" lang="ja-JP" altLang="en-US" smtClean="0"/>
-              <a:t>2024/8/28</a:t>
+              <a:t>2025/3/16</a:t>
             </a:fld>
             <a:endParaRPr kumimoji="1" lang="ja-JP" altLang="en-US"/>
           </a:p>
@@ -1432,7 +1432,7 @@
           <a:p>
             <a:fld id="{2ABC02D7-CBD1-4D33-B166-78A898DF0F76}" type="datetimeFigureOut">
               <a:rPr kumimoji="1" lang="ja-JP" altLang="en-US" smtClean="0"/>
-              <a:t>2024/8/28</a:t>
+              <a:t>2025/3/16</a:t>
             </a:fld>
             <a:endParaRPr kumimoji="1" lang="ja-JP" altLang="en-US"/>
           </a:p>
@@ -1863,7 +1863,7 @@
           <a:p>
             <a:fld id="{2ABC02D7-CBD1-4D33-B166-78A898DF0F76}" type="datetimeFigureOut">
               <a:rPr kumimoji="1" lang="ja-JP" altLang="en-US" smtClean="0"/>
-              <a:t>2024/8/28</a:t>
+              <a:t>2025/3/16</a:t>
             </a:fld>
             <a:endParaRPr kumimoji="1" lang="ja-JP" altLang="en-US"/>
           </a:p>
@@ -1981,7 +1981,7 @@
           <a:p>
             <a:fld id="{2ABC02D7-CBD1-4D33-B166-78A898DF0F76}" type="datetimeFigureOut">
               <a:rPr kumimoji="1" lang="ja-JP" altLang="en-US" smtClean="0"/>
-              <a:t>2024/8/28</a:t>
+              <a:t>2025/3/16</a:t>
             </a:fld>
             <a:endParaRPr kumimoji="1" lang="ja-JP" altLang="en-US"/>
           </a:p>
@@ -2076,7 +2076,7 @@
           <a:p>
             <a:fld id="{2ABC02D7-CBD1-4D33-B166-78A898DF0F76}" type="datetimeFigureOut">
               <a:rPr kumimoji="1" lang="ja-JP" altLang="en-US" smtClean="0"/>
-              <a:t>2024/8/28</a:t>
+              <a:t>2025/3/16</a:t>
             </a:fld>
             <a:endParaRPr kumimoji="1" lang="ja-JP" altLang="en-US"/>
           </a:p>
@@ -2385,7 +2385,7 @@
           <a:p>
             <a:fld id="{2ABC02D7-CBD1-4D33-B166-78A898DF0F76}" type="datetimeFigureOut">
               <a:rPr kumimoji="1" lang="ja-JP" altLang="en-US" smtClean="0"/>
-              <a:t>2024/8/28</a:t>
+              <a:t>2025/3/16</a:t>
             </a:fld>
             <a:endParaRPr kumimoji="1" lang="ja-JP" altLang="en-US"/>
           </a:p>
@@ -2642,7 +2642,7 @@
           <a:p>
             <a:fld id="{2ABC02D7-CBD1-4D33-B166-78A898DF0F76}" type="datetimeFigureOut">
               <a:rPr kumimoji="1" lang="ja-JP" altLang="en-US" smtClean="0"/>
-              <a:t>2024/8/28</a:t>
+              <a:t>2025/3/16</a:t>
             </a:fld>
             <a:endParaRPr kumimoji="1" lang="ja-JP" altLang="en-US"/>
           </a:p>
@@ -2887,7 +2887,7 @@
           <a:p>
             <a:fld id="{2ABC02D7-CBD1-4D33-B166-78A898DF0F76}" type="datetimeFigureOut">
               <a:rPr kumimoji="1" lang="ja-JP" altLang="en-US" smtClean="0"/>
-              <a:t>2024/8/28</a:t>
+              <a:t>2025/3/16</a:t>
             </a:fld>
             <a:endParaRPr kumimoji="1" lang="ja-JP" altLang="en-US"/>
           </a:p>
@@ -3306,8 +3306,8 @@
         </p:nvSpPr>
         <p:spPr>
           <a:xfrm>
-            <a:off x="2504386" y="2432114"/>
-            <a:ext cx="7550872" cy="1446550"/>
+            <a:off x="0" y="2659559"/>
+            <a:ext cx="9609460" cy="769441"/>
           </a:xfrm>
           <a:prstGeom prst="rect">
             <a:avLst/>
@@ -3326,7 +3326,7 @@
                 <a:latin typeface="メイリオ" panose="020B0604030504040204" pitchFamily="50" charset="-128"/>
                 <a:ea typeface="メイリオ" panose="020B0604030504040204" pitchFamily="50" charset="-128"/>
               </a:rPr>
-              <a:t>ビッグデータプログラミングの基礎</a:t>
+              <a:t>プログラミングの基礎</a:t>
             </a:r>
             <a:r>
               <a:rPr kumimoji="1" lang="en-US" altLang="ja-JP" sz="4400" b="1" dirty="0">
@@ -3339,6 +3339,84 @@
               <a:latin typeface="メイリオ" panose="020B0604030504040204" pitchFamily="50" charset="-128"/>
               <a:ea typeface="メイリオ" panose="020B0604030504040204" pitchFamily="50" charset="-128"/>
             </a:endParaRPr>
+          </a:p>
+        </p:txBody>
+      </p:sp>
+      <p:sp>
+        <p:nvSpPr>
+          <p:cNvPr id="2" name="テキスト ボックス 1">
+            <a:extLst>
+              <a:ext uri="{FF2B5EF4-FFF2-40B4-BE49-F238E27FC236}">
+                <a16:creationId xmlns:a16="http://schemas.microsoft.com/office/drawing/2014/main" id="{ADD783D5-4F00-D3C5-81F5-7907D7462049}"/>
+              </a:ext>
+            </a:extLst>
+          </p:cNvPr>
+          <p:cNvSpPr txBox="1"/>
+          <p:nvPr/>
+        </p:nvSpPr>
+        <p:spPr>
+          <a:xfrm>
+            <a:off x="640862" y="3429000"/>
+            <a:ext cx="2954655" cy="461665"/>
+          </a:xfrm>
+          <a:prstGeom prst="rect">
+            <a:avLst/>
+          </a:prstGeom>
+          <a:noFill/>
+        </p:spPr>
+        <p:txBody>
+          <a:bodyPr wrap="none" rtlCol="0">
+            <a:spAutoFit/>
+          </a:bodyPr>
+          <a:lstStyle/>
+          <a:p>
+            <a:pPr algn="l"/>
+            <a:r>
+              <a:rPr kumimoji="1" lang="ja-JP" altLang="en-US" sz="2400" dirty="0">
+                <a:latin typeface="メイリオ" panose="020B0604030504040204" pitchFamily="50" charset="-128"/>
+                <a:ea typeface="メイリオ" panose="020B0604030504040204" pitchFamily="50" charset="-128"/>
+              </a:rPr>
+              <a:t>イントロダクション</a:t>
+            </a:r>
+          </a:p>
+        </p:txBody>
+      </p:sp>
+      <p:sp>
+        <p:nvSpPr>
+          <p:cNvPr id="3" name="テキスト ボックス 2">
+            <a:extLst>
+              <a:ext uri="{FF2B5EF4-FFF2-40B4-BE49-F238E27FC236}">
+                <a16:creationId xmlns:a16="http://schemas.microsoft.com/office/drawing/2014/main" id="{584FB587-E2C4-08AB-B69F-409703BBA921}"/>
+              </a:ext>
+            </a:extLst>
+          </p:cNvPr>
+          <p:cNvSpPr txBox="1"/>
+          <p:nvPr/>
+        </p:nvSpPr>
+        <p:spPr>
+          <a:xfrm>
+            <a:off x="702417" y="4429273"/>
+            <a:ext cx="2646878" cy="461665"/>
+          </a:xfrm>
+          <a:prstGeom prst="rect">
+            <a:avLst/>
+          </a:prstGeom>
+          <a:noFill/>
+        </p:spPr>
+        <p:txBody>
+          <a:bodyPr wrap="none" rtlCol="0">
+            <a:spAutoFit/>
+          </a:bodyPr>
+          <a:lstStyle/>
+          <a:p>
+            <a:pPr algn="l"/>
+            <a:r>
+              <a:rPr kumimoji="1" lang="ja-JP" altLang="en-US" sz="2400" dirty="0">
+                <a:latin typeface="メイリオ" panose="020B0604030504040204" pitchFamily="50" charset="-128"/>
+                <a:ea typeface="メイリオ" panose="020B0604030504040204" pitchFamily="50" charset="-128"/>
+              </a:rPr>
+              <a:t>上原　豊嶋　大木</a:t>
+            </a:r>
           </a:p>
         </p:txBody>
       </p:sp>
